--- a/PresentationsEpreuves/Presentations_Epreuves.pptx
+++ b/PresentationsEpreuves/Presentations_Epreuves.pptx
@@ -30302,7 +30302,7 @@
           <a:p>
             <a:fld id="{3B93ECCE-5391-441B-9FF0-3A0DC0698398}" type="datetimeFigureOut">
               <a:rPr lang="fr-FR" smtClean="0"/>
-              <a:t>15/05/2024</a:t>
+              <a:t>17/05/2024</a:t>
             </a:fld>
             <a:endParaRPr lang="fr-FR"/>
           </a:p>
@@ -30472,7 +30472,7 @@
           <a:p>
             <a:fld id="{3B93ECCE-5391-441B-9FF0-3A0DC0698398}" type="datetimeFigureOut">
               <a:rPr lang="fr-FR" smtClean="0"/>
-              <a:t>15/05/2024</a:t>
+              <a:t>17/05/2024</a:t>
             </a:fld>
             <a:endParaRPr lang="fr-FR"/>
           </a:p>
@@ -30652,7 +30652,7 @@
           <a:p>
             <a:fld id="{3B93ECCE-5391-441B-9FF0-3A0DC0698398}" type="datetimeFigureOut">
               <a:rPr lang="fr-FR" smtClean="0"/>
-              <a:t>15/05/2024</a:t>
+              <a:t>17/05/2024</a:t>
             </a:fld>
             <a:endParaRPr lang="fr-FR"/>
           </a:p>
@@ -30822,7 +30822,7 @@
           <a:p>
             <a:fld id="{3B93ECCE-5391-441B-9FF0-3A0DC0698398}" type="datetimeFigureOut">
               <a:rPr lang="fr-FR" smtClean="0"/>
-              <a:t>15/05/2024</a:t>
+              <a:t>17/05/2024</a:t>
             </a:fld>
             <a:endParaRPr lang="fr-FR"/>
           </a:p>
@@ -31066,7 +31066,7 @@
           <a:p>
             <a:fld id="{3B93ECCE-5391-441B-9FF0-3A0DC0698398}" type="datetimeFigureOut">
               <a:rPr lang="fr-FR" smtClean="0"/>
-              <a:t>15/05/2024</a:t>
+              <a:t>17/05/2024</a:t>
             </a:fld>
             <a:endParaRPr lang="fr-FR"/>
           </a:p>
@@ -31298,7 +31298,7 @@
           <a:p>
             <a:fld id="{3B93ECCE-5391-441B-9FF0-3A0DC0698398}" type="datetimeFigureOut">
               <a:rPr lang="fr-FR" smtClean="0"/>
-              <a:t>15/05/2024</a:t>
+              <a:t>17/05/2024</a:t>
             </a:fld>
             <a:endParaRPr lang="fr-FR"/>
           </a:p>
@@ -31665,7 +31665,7 @@
           <a:p>
             <a:fld id="{3B93ECCE-5391-441B-9FF0-3A0DC0698398}" type="datetimeFigureOut">
               <a:rPr lang="fr-FR" smtClean="0"/>
-              <a:t>15/05/2024</a:t>
+              <a:t>17/05/2024</a:t>
             </a:fld>
             <a:endParaRPr lang="fr-FR"/>
           </a:p>
@@ -31783,7 +31783,7 @@
           <a:p>
             <a:fld id="{3B93ECCE-5391-441B-9FF0-3A0DC0698398}" type="datetimeFigureOut">
               <a:rPr lang="fr-FR" smtClean="0"/>
-              <a:t>15/05/2024</a:t>
+              <a:t>17/05/2024</a:t>
             </a:fld>
             <a:endParaRPr lang="fr-FR"/>
           </a:p>
@@ -31878,7 +31878,7 @@
           <a:p>
             <a:fld id="{3B93ECCE-5391-441B-9FF0-3A0DC0698398}" type="datetimeFigureOut">
               <a:rPr lang="fr-FR" smtClean="0"/>
-              <a:t>15/05/2024</a:t>
+              <a:t>17/05/2024</a:t>
             </a:fld>
             <a:endParaRPr lang="fr-FR"/>
           </a:p>
@@ -32155,7 +32155,7 @@
           <a:p>
             <a:fld id="{3B93ECCE-5391-441B-9FF0-3A0DC0698398}" type="datetimeFigureOut">
               <a:rPr lang="fr-FR" smtClean="0"/>
-              <a:t>15/05/2024</a:t>
+              <a:t>17/05/2024</a:t>
             </a:fld>
             <a:endParaRPr lang="fr-FR"/>
           </a:p>
@@ -32412,7 +32412,7 @@
           <a:p>
             <a:fld id="{3B93ECCE-5391-441B-9FF0-3A0DC0698398}" type="datetimeFigureOut">
               <a:rPr lang="fr-FR" smtClean="0"/>
-              <a:t>15/05/2024</a:t>
+              <a:t>17/05/2024</a:t>
             </a:fld>
             <a:endParaRPr lang="fr-FR"/>
           </a:p>
@@ -32625,7 +32625,7 @@
           <a:p>
             <a:fld id="{3B93ECCE-5391-441B-9FF0-3A0DC0698398}" type="datetimeFigureOut">
               <a:rPr lang="fr-FR" smtClean="0"/>
-              <a:t>15/05/2024</a:t>
+              <a:t>17/05/2024</a:t>
             </a:fld>
             <a:endParaRPr lang="fr-FR"/>
           </a:p>
@@ -49501,7 +49501,7 @@
               <a:pPr algn="ctr"/>
               <a:r>
                 <a:rPr lang="fr-FR" sz="1200" b="1" dirty="0"/>
-                <a:t>x%</a:t>
+                <a:t>15%</a:t>
               </a:r>
             </a:p>
           </p:txBody>
@@ -50685,6 +50685,200 @@
           </a:prstGeom>
         </p:spPr>
       </p:pic>
+      <p:sp>
+        <p:nvSpPr>
+          <p:cNvPr id="27" name="ZoneTexte 26">
+            <a:extLst>
+              <a:ext uri="{FF2B5EF4-FFF2-40B4-BE49-F238E27FC236}">
+                <a16:creationId xmlns:a16="http://schemas.microsoft.com/office/drawing/2014/main" id="{7BBF70C6-5EDC-4AFF-8E55-03767C9D0FF3}"/>
+              </a:ext>
+            </a:extLst>
+          </p:cNvPr>
+          <p:cNvSpPr txBox="1"/>
+          <p:nvPr/>
+        </p:nvSpPr>
+        <p:spPr>
+          <a:xfrm>
+            <a:off x="3798489" y="910169"/>
+            <a:ext cx="1620520" cy="261610"/>
+          </a:xfrm>
+          <a:prstGeom prst="rect">
+            <a:avLst/>
+          </a:prstGeom>
+          <a:noFill/>
+        </p:spPr>
+        <p:txBody>
+          <a:bodyPr wrap="square" rtlCol="0">
+            <a:spAutoFit/>
+          </a:bodyPr>
+          <a:lstStyle/>
+          <a:p>
+            <a:r>
+              <a:rPr lang="fr-FR" sz="1100" dirty="0">
+                <a:latin typeface="Arial Nova" panose="020B0504020202020204" pitchFamily="34" charset="0"/>
+              </a:rPr>
+              <a:t>Lieu de passage </a:t>
+            </a:r>
+          </a:p>
+        </p:txBody>
+      </p:sp>
+      <p:sp>
+        <p:nvSpPr>
+          <p:cNvPr id="28" name="ZoneTexte 27">
+            <a:extLst>
+              <a:ext uri="{FF2B5EF4-FFF2-40B4-BE49-F238E27FC236}">
+                <a16:creationId xmlns:a16="http://schemas.microsoft.com/office/drawing/2014/main" id="{60BCADAF-C779-4FCA-A7DA-EEC9D6ABA148}"/>
+              </a:ext>
+            </a:extLst>
+          </p:cNvPr>
+          <p:cNvSpPr txBox="1"/>
+          <p:nvPr/>
+        </p:nvSpPr>
+        <p:spPr>
+          <a:xfrm>
+            <a:off x="5246468" y="939129"/>
+            <a:ext cx="1576414" cy="187161"/>
+          </a:xfrm>
+          <a:prstGeom prst="rect">
+            <a:avLst/>
+          </a:prstGeom>
+          <a:ln>
+            <a:noFill/>
+          </a:ln>
+        </p:spPr>
+        <p:style>
+          <a:lnRef idx="2">
+            <a:schemeClr val="accent6">
+              <a:shade val="50000"/>
+            </a:schemeClr>
+          </a:lnRef>
+          <a:fillRef idx="1">
+            <a:schemeClr val="accent6"/>
+          </a:fillRef>
+          <a:effectRef idx="0">
+            <a:schemeClr val="accent6"/>
+          </a:effectRef>
+          <a:fontRef idx="minor">
+            <a:schemeClr val="lt1"/>
+          </a:fontRef>
+        </p:style>
+        <p:txBody>
+          <a:bodyPr lIns="0" tIns="0" rIns="0" bIns="0" rtlCol="0" anchor="ctr"/>
+          <a:lstStyle>
+            <a:defPPr>
+              <a:defRPr lang="en-US"/>
+            </a:defPPr>
+            <a:lvl1pPr algn="ctr">
+              <a:defRPr sz="1200" b="1">
+                <a:solidFill>
+                  <a:schemeClr val="lt1"/>
+                </a:solidFill>
+              </a:defRPr>
+            </a:lvl1pPr>
+            <a:lvl2pPr>
+              <a:defRPr>
+                <a:solidFill>
+                  <a:schemeClr val="lt1"/>
+                </a:solidFill>
+              </a:defRPr>
+            </a:lvl2pPr>
+            <a:lvl3pPr>
+              <a:defRPr>
+                <a:solidFill>
+                  <a:schemeClr val="lt1"/>
+                </a:solidFill>
+              </a:defRPr>
+            </a:lvl3pPr>
+            <a:lvl4pPr>
+              <a:defRPr>
+                <a:solidFill>
+                  <a:schemeClr val="lt1"/>
+                </a:solidFill>
+              </a:defRPr>
+            </a:lvl4pPr>
+            <a:lvl5pPr>
+              <a:defRPr>
+                <a:solidFill>
+                  <a:schemeClr val="lt1"/>
+                </a:solidFill>
+              </a:defRPr>
+            </a:lvl5pPr>
+            <a:lvl6pPr>
+              <a:defRPr>
+                <a:solidFill>
+                  <a:schemeClr val="lt1"/>
+                </a:solidFill>
+              </a:defRPr>
+            </a:lvl6pPr>
+            <a:lvl7pPr>
+              <a:defRPr>
+                <a:solidFill>
+                  <a:schemeClr val="lt1"/>
+                </a:solidFill>
+              </a:defRPr>
+            </a:lvl7pPr>
+            <a:lvl8pPr>
+              <a:defRPr>
+                <a:solidFill>
+                  <a:schemeClr val="lt1"/>
+                </a:solidFill>
+              </a:defRPr>
+            </a:lvl8pPr>
+            <a:lvl9pPr>
+              <a:defRPr>
+                <a:solidFill>
+                  <a:schemeClr val="lt1"/>
+                </a:solidFill>
+              </a:defRPr>
+            </a:lvl9pPr>
+          </a:lstStyle>
+          <a:p>
+            <a:r>
+              <a:rPr lang="fr-FR" sz="1000" dirty="0">
+                <a:latin typeface="Arial Nova" panose="020B0504020202020204" pitchFamily="34" charset="0"/>
+              </a:rPr>
+              <a:t>ESM Saint Cyr ?</a:t>
+            </a:r>
+          </a:p>
+        </p:txBody>
+      </p:sp>
+      <p:sp>
+        <p:nvSpPr>
+          <p:cNvPr id="29" name="ZoneTexte 28">
+            <a:extLst>
+              <a:ext uri="{FF2B5EF4-FFF2-40B4-BE49-F238E27FC236}">
+                <a16:creationId xmlns:a16="http://schemas.microsoft.com/office/drawing/2014/main" id="{DFE87669-DA98-4B6F-AA15-890CD0965A3D}"/>
+              </a:ext>
+            </a:extLst>
+          </p:cNvPr>
+          <p:cNvSpPr txBox="1"/>
+          <p:nvPr/>
+        </p:nvSpPr>
+        <p:spPr>
+          <a:xfrm>
+            <a:off x="5224415" y="1474141"/>
+            <a:ext cx="1620520" cy="276999"/>
+          </a:xfrm>
+          <a:prstGeom prst="rect">
+            <a:avLst/>
+          </a:prstGeom>
+          <a:noFill/>
+        </p:spPr>
+        <p:txBody>
+          <a:bodyPr wrap="square" rtlCol="0">
+            <a:spAutoFit/>
+          </a:bodyPr>
+          <a:lstStyle/>
+          <a:p>
+            <a:r>
+              <a:rPr lang="fr-FR" sz="1200" dirty="0">
+                <a:latin typeface="Arial Nova" panose="020B0504020202020204" pitchFamily="34" charset="0"/>
+              </a:rPr>
+              <a:t>TIPE Spécifique</a:t>
+            </a:r>
+          </a:p>
+        </p:txBody>
+      </p:sp>
     </p:spTree>
     <p:extLst>
       <p:ext uri="{BB962C8B-B14F-4D97-AF65-F5344CB8AC3E}">

--- a/PresentationsEpreuves/Presentations_Epreuves.pptx
+++ b/PresentationsEpreuves/Presentations_Epreuves.pptx
@@ -8022,9 +8022,12 @@
         <a:bodyPr/>
         <a:lstStyle/>
         <a:p>
-          <a:endParaRPr lang="fr-FR" sz="2000" dirty="0">
-            <a:latin typeface="Arial Nova" panose="020B0504020202020204"/>
-          </a:endParaRPr>
+          <a:r>
+            <a:rPr lang="fr-FR" sz="700" dirty="0">
+              <a:latin typeface="Arial Nova" panose="020B0504020202020204"/>
+            </a:rPr>
+            <a:t>Problématique à résoudre</a:t>
+          </a:r>
         </a:p>
       </dgm:t>
     </dgm:pt>
@@ -8103,9 +8106,12 @@
         <a:bodyPr/>
         <a:lstStyle/>
         <a:p>
-          <a:endParaRPr lang="fr-FR" sz="2000" dirty="0">
-            <a:latin typeface="Arial Nova" panose="020B0504020202020204"/>
-          </a:endParaRPr>
+          <a:r>
+            <a:rPr lang="fr-FR" sz="700" dirty="0">
+              <a:latin typeface="Arial Nova" panose="020B0504020202020204"/>
+            </a:rPr>
+            <a:t>Problématique à résoudre</a:t>
+          </a:r>
         </a:p>
       </dgm:t>
     </dgm:pt>
@@ -8265,9 +8271,12 @@
         <a:bodyPr/>
         <a:lstStyle/>
         <a:p>
-          <a:endParaRPr lang="fr-FR" sz="2000" dirty="0">
-            <a:latin typeface="Arial Nova" panose="020B0504020202020204"/>
-          </a:endParaRPr>
+          <a:r>
+            <a:rPr lang="fr-FR" sz="700" dirty="0">
+              <a:latin typeface="Arial Nova" panose="020B0504020202020204"/>
+            </a:rPr>
+            <a:t>Problématique à résoudre</a:t>
+          </a:r>
         </a:p>
       </dgm:t>
     </dgm:pt>
@@ -9143,7 +9152,7 @@
         <a:p>
           <a:r>
             <a:rPr lang="fr-FR" sz="1400" dirty="0"/>
-            <a:t>Introduction</a:t>
+            <a:t>Oral</a:t>
           </a:r>
         </a:p>
       </dgm:t>
@@ -9177,7 +9186,10 @@
         <a:bodyPr/>
         <a:lstStyle/>
         <a:p>
-          <a:endParaRPr lang="fr-FR" dirty="0"/>
+          <a:r>
+            <a:rPr lang="fr-FR" dirty="0"/>
+            <a:t>Adopter une posture permettant de voir et d’échanger avec l’examinateur.</a:t>
+          </a:r>
         </a:p>
       </dgm:t>
     </dgm:pt>
@@ -9204,13 +9216,16 @@
       </dgm:t>
     </dgm:pt>
     <dgm:pt modelId="{AEB247FD-6D58-4408-8770-0452FCED6303}">
-      <dgm:prSet phldrT="[Texte]"/>
+      <dgm:prSet phldrT="[Texte]" custT="1"/>
       <dgm:spPr/>
       <dgm:t>
         <a:bodyPr/>
         <a:lstStyle/>
         <a:p>
-          <a:endParaRPr lang="fr-FR" dirty="0"/>
+          <a:r>
+            <a:rPr lang="fr-FR" sz="1100" dirty="0"/>
+            <a:t>Lecture du sujet</a:t>
+          </a:r>
         </a:p>
       </dgm:t>
     </dgm:pt>
@@ -9226,6 +9241,114 @@
       </dgm:t>
     </dgm:pt>
     <dgm:pt modelId="{13ECDF23-8262-4788-A630-8CE5ECF86CAB}" type="sibTrans" cxnId="{DF3E27AC-9EC7-42C1-8261-77B5D8C07EFD}">
+      <dgm:prSet/>
+      <dgm:spPr/>
+      <dgm:t>
+        <a:bodyPr/>
+        <a:lstStyle/>
+        <a:p>
+          <a:endParaRPr lang="fr-FR"/>
+        </a:p>
+      </dgm:t>
+    </dgm:pt>
+    <dgm:pt modelId="{4FB62C2E-7612-4BBD-9708-70AC20CB18F4}">
+      <dgm:prSet phldrT="[Texte]" custT="1"/>
+      <dgm:spPr/>
+      <dgm:t>
+        <a:bodyPr/>
+        <a:lstStyle/>
+        <a:p>
+          <a:r>
+            <a:rPr lang="fr-FR" sz="1100" dirty="0"/>
+            <a:t>Pas de prise de note</a:t>
+          </a:r>
+        </a:p>
+      </dgm:t>
+    </dgm:pt>
+    <dgm:pt modelId="{53AA810A-50B3-420A-8659-F2BE9913CA29}" type="parTrans" cxnId="{6C386273-66C1-4742-AA42-B5ED89114474}">
+      <dgm:prSet/>
+      <dgm:spPr/>
+      <dgm:t>
+        <a:bodyPr/>
+        <a:lstStyle/>
+        <a:p>
+          <a:endParaRPr lang="fr-FR"/>
+        </a:p>
+      </dgm:t>
+    </dgm:pt>
+    <dgm:pt modelId="{80D71197-0FF4-454A-BD95-E2C4B2966CC0}" type="sibTrans" cxnId="{6C386273-66C1-4742-AA42-B5ED89114474}">
+      <dgm:prSet/>
+      <dgm:spPr/>
+      <dgm:t>
+        <a:bodyPr/>
+        <a:lstStyle/>
+        <a:p>
+          <a:endParaRPr lang="fr-FR"/>
+        </a:p>
+      </dgm:t>
+    </dgm:pt>
+    <dgm:pt modelId="{6133825F-5A43-466F-8F5F-49CA1BC3DD6E}">
+      <dgm:prSet phldrT="[Texte]"/>
+      <dgm:spPr/>
+      <dgm:t>
+        <a:bodyPr/>
+        <a:lstStyle/>
+        <a:p>
+          <a:r>
+            <a:rPr lang="fr-FR" dirty="0"/>
+            <a:t>Présentation des réponses </a:t>
+          </a:r>
+        </a:p>
+      </dgm:t>
+    </dgm:pt>
+    <dgm:pt modelId="{DD57DEE6-9375-4C42-9B7B-D8D7393489C7}" type="parTrans" cxnId="{FF645501-5B8D-4634-BA9C-3517595D036E}">
+      <dgm:prSet/>
+      <dgm:spPr/>
+      <dgm:t>
+        <a:bodyPr/>
+        <a:lstStyle/>
+        <a:p>
+          <a:endParaRPr lang="fr-FR"/>
+        </a:p>
+      </dgm:t>
+    </dgm:pt>
+    <dgm:pt modelId="{7EAE1B18-52B6-4A2C-87DF-9EA5EEF6DE3B}" type="sibTrans" cxnId="{FF645501-5B8D-4634-BA9C-3517595D036E}">
+      <dgm:prSet/>
+      <dgm:spPr/>
+      <dgm:t>
+        <a:bodyPr/>
+        <a:lstStyle/>
+        <a:p>
+          <a:endParaRPr lang="fr-FR"/>
+        </a:p>
+      </dgm:t>
+    </dgm:pt>
+    <dgm:pt modelId="{16280BD4-D855-4657-A7F6-AE587B8B574E}">
+      <dgm:prSet phldrT="[Texte]"/>
+      <dgm:spPr/>
+      <dgm:t>
+        <a:bodyPr/>
+        <a:lstStyle/>
+        <a:p>
+          <a:r>
+            <a:rPr lang="fr-FR" dirty="0"/>
+            <a:t>Présentation du support</a:t>
+          </a:r>
+        </a:p>
+      </dgm:t>
+    </dgm:pt>
+    <dgm:pt modelId="{ECBF674C-608C-4EE4-8AF2-610458D335DD}" type="parTrans" cxnId="{8B4263ED-5C76-4290-8776-E31BCFF876B8}">
+      <dgm:prSet/>
+      <dgm:spPr/>
+      <dgm:t>
+        <a:bodyPr/>
+        <a:lstStyle/>
+        <a:p>
+          <a:endParaRPr lang="fr-FR"/>
+        </a:p>
+      </dgm:t>
+    </dgm:pt>
+    <dgm:pt modelId="{D3F3B5E8-952C-4E02-85EA-E6149F164415}" type="sibTrans" cxnId="{8B4263ED-5C76-4290-8776-E31BCFF876B8}">
       <dgm:prSet/>
       <dgm:spPr/>
       <dgm:t>
@@ -9267,7 +9390,7 @@
       <dgm:spPr/>
     </dgm:pt>
     <dgm:pt modelId="{8901E0F4-0A59-4693-BCC0-AD691D9FB870}" type="pres">
-      <dgm:prSet presAssocID="{C0BBB20E-A547-490C-BFC3-F69C30C2BB85}" presName="childNode1" presStyleLbl="bgAcc1" presStyleIdx="0" presStyleCnt="2" custScaleX="153983">
+      <dgm:prSet presAssocID="{C0BBB20E-A547-490C-BFC3-F69C30C2BB85}" presName="childNode1" presStyleLbl="bgAcc1" presStyleIdx="0" presStyleCnt="2" custScaleX="153983" custLinFactNeighborX="-3886" custLinFactNeighborY="1172">
         <dgm:presLayoutVars>
           <dgm:bulletEnabled val="1"/>
         </dgm:presLayoutVars>
@@ -9339,17 +9462,26 @@
   </dgm:ptLst>
   <dgm:cxnLst>
     <dgm:cxn modelId="{3228E000-8C8D-4FC1-BE09-2CB2D43274CF}" type="presOf" srcId="{20F7D581-9EB2-498F-BE28-9D62195EAF83}" destId="{71BAD410-3299-44D0-A85A-DC3B57193168}" srcOrd="0" destOrd="0" presId="urn:microsoft.com/office/officeart/2005/8/layout/hProcess4"/>
+    <dgm:cxn modelId="{FF645501-5B8D-4634-BA9C-3517595D036E}" srcId="{20F7D581-9EB2-498F-BE28-9D62195EAF83}" destId="{6133825F-5A43-466F-8F5F-49CA1BC3DD6E}" srcOrd="2" destOrd="0" parTransId="{DD57DEE6-9375-4C42-9B7B-D8D7393489C7}" sibTransId="{7EAE1B18-52B6-4A2C-87DF-9EA5EEF6DE3B}"/>
+    <dgm:cxn modelId="{C62E2808-5677-4A80-94F3-3262160991C0}" type="presOf" srcId="{16280BD4-D855-4657-A7F6-AE587B8B574E}" destId="{BCCD055F-C4D8-4E1B-AEB8-AC963578358F}" srcOrd="1" destOrd="1" presId="urn:microsoft.com/office/officeart/2005/8/layout/hProcess4"/>
+    <dgm:cxn modelId="{56AA6D08-E26E-43AE-A586-6F60B6C31633}" type="presOf" srcId="{6133825F-5A43-466F-8F5F-49CA1BC3DD6E}" destId="{B8A19F94-18F6-4D00-B053-8BF08839189F}" srcOrd="0" destOrd="2" presId="urn:microsoft.com/office/officeart/2005/8/layout/hProcess4"/>
     <dgm:cxn modelId="{745C2710-AEC2-4077-8999-F61D41E0B39E}" type="presOf" srcId="{C0BBB20E-A547-490C-BFC3-F69C30C2BB85}" destId="{AB2A0A4B-2E62-43F5-874D-A858B18AD7BD}" srcOrd="0" destOrd="0" presId="urn:microsoft.com/office/officeart/2005/8/layout/hProcess4"/>
+    <dgm:cxn modelId="{A8164814-CEAD-40A4-AAC0-635A03E8B427}" type="presOf" srcId="{16280BD4-D855-4657-A7F6-AE587B8B574E}" destId="{B8A19F94-18F6-4D00-B053-8BF08839189F}" srcOrd="0" destOrd="1" presId="urn:microsoft.com/office/officeart/2005/8/layout/hProcess4"/>
     <dgm:cxn modelId="{0BC19424-EC70-4439-B064-2AB2452E9A8A}" type="presOf" srcId="{AEB247FD-6D58-4408-8770-0452FCED6303}" destId="{8901E0F4-0A59-4693-BCC0-AD691D9FB870}" srcOrd="0" destOrd="0" presId="urn:microsoft.com/office/officeart/2005/8/layout/hProcess4"/>
+    <dgm:cxn modelId="{1F116529-E3A2-4B46-9C59-23487236E48C}" type="presOf" srcId="{4FB62C2E-7612-4BBD-9708-70AC20CB18F4}" destId="{0CDE4C4E-2C62-4126-8CEE-77D153383F3B}" srcOrd="1" destOrd="1" presId="urn:microsoft.com/office/officeart/2005/8/layout/hProcess4"/>
     <dgm:cxn modelId="{FBF9C739-9412-4585-8F14-F4D92428BCA3}" type="presOf" srcId="{B5920376-0133-44CD-BB1B-6F53C130D637}" destId="{B8A19F94-18F6-4D00-B053-8BF08839189F}" srcOrd="0" destOrd="0" presId="urn:microsoft.com/office/officeart/2005/8/layout/hProcess4"/>
+    <dgm:cxn modelId="{F505BB3E-CF80-4515-872A-06FD10EFC536}" type="presOf" srcId="{6133825F-5A43-466F-8F5F-49CA1BC3DD6E}" destId="{BCCD055F-C4D8-4E1B-AEB8-AC963578358F}" srcOrd="1" destOrd="2" presId="urn:microsoft.com/office/officeart/2005/8/layout/hProcess4"/>
     <dgm:cxn modelId="{BE340D61-28A6-4E10-B4BD-309F83AE9FD8}" type="presOf" srcId="{DD1C8274-3095-435A-B7E9-C86DA96BDE64}" destId="{943CED33-B477-41B6-8333-C0E815B32CCD}" srcOrd="0" destOrd="0" presId="urn:microsoft.com/office/officeart/2005/8/layout/hProcess4"/>
     <dgm:cxn modelId="{A743B165-EFB3-4A2B-9188-6DFA8B2E60AB}" srcId="{20F7D581-9EB2-498F-BE28-9D62195EAF83}" destId="{B5920376-0133-44CD-BB1B-6F53C130D637}" srcOrd="0" destOrd="0" parTransId="{E82A70DF-B649-4129-9355-DBF8312CF18F}" sibTransId="{73A56BD2-43C1-4062-A5A5-84091B9A63CC}"/>
     <dgm:cxn modelId="{E683F570-DC2B-4326-9DA0-584336C8C6D6}" type="presOf" srcId="{B5920376-0133-44CD-BB1B-6F53C130D637}" destId="{BCCD055F-C4D8-4E1B-AEB8-AC963578358F}" srcOrd="1" destOrd="0" presId="urn:microsoft.com/office/officeart/2005/8/layout/hProcess4"/>
     <dgm:cxn modelId="{C5973D72-FB08-4B00-8516-F806514B4438}" srcId="{4BBBBA37-00AE-490F-BA4E-E9A756C4A0D7}" destId="{C0BBB20E-A547-490C-BFC3-F69C30C2BB85}" srcOrd="0" destOrd="0" parTransId="{830D836F-DF80-4E41-AF3F-21CC3E8E4EF2}" sibTransId="{DD1C8274-3095-435A-B7E9-C86DA96BDE64}"/>
+    <dgm:cxn modelId="{6C386273-66C1-4742-AA42-B5ED89114474}" srcId="{C0BBB20E-A547-490C-BFC3-F69C30C2BB85}" destId="{4FB62C2E-7612-4BBD-9708-70AC20CB18F4}" srcOrd="1" destOrd="0" parTransId="{53AA810A-50B3-420A-8659-F2BE9913CA29}" sibTransId="{80D71197-0FF4-454A-BD95-E2C4B2966CC0}"/>
     <dgm:cxn modelId="{555C2B7C-EBBB-4015-9A21-9AA3BA353080}" type="presOf" srcId="{4BBBBA37-00AE-490F-BA4E-E9A756C4A0D7}" destId="{7ABD661D-07C5-4739-AE45-6E1036C01B22}" srcOrd="0" destOrd="0" presId="urn:microsoft.com/office/officeart/2005/8/layout/hProcess4"/>
     <dgm:cxn modelId="{1497608C-9EBF-4045-B5D2-B57D8503FD29}" srcId="{4BBBBA37-00AE-490F-BA4E-E9A756C4A0D7}" destId="{20F7D581-9EB2-498F-BE28-9D62195EAF83}" srcOrd="1" destOrd="0" parTransId="{E0FBE512-C1C4-4067-A1DE-34C9E33E9EB4}" sibTransId="{FCF39507-87BB-42FC-936E-7CB9C907446D}"/>
     <dgm:cxn modelId="{DF3E27AC-9EC7-42C1-8261-77B5D8C07EFD}" srcId="{C0BBB20E-A547-490C-BFC3-F69C30C2BB85}" destId="{AEB247FD-6D58-4408-8770-0452FCED6303}" srcOrd="0" destOrd="0" parTransId="{89E3FD14-03B2-4832-8923-0DD87E75F033}" sibTransId="{13ECDF23-8262-4788-A630-8CE5ECF86CAB}"/>
     <dgm:cxn modelId="{74A79FE0-DCD0-43C0-915E-56C8A39D20C7}" type="presOf" srcId="{AEB247FD-6D58-4408-8770-0452FCED6303}" destId="{0CDE4C4E-2C62-4126-8CEE-77D153383F3B}" srcOrd="1" destOrd="0" presId="urn:microsoft.com/office/officeart/2005/8/layout/hProcess4"/>
+    <dgm:cxn modelId="{8B4263ED-5C76-4290-8776-E31BCFF876B8}" srcId="{20F7D581-9EB2-498F-BE28-9D62195EAF83}" destId="{16280BD4-D855-4657-A7F6-AE587B8B574E}" srcOrd="1" destOrd="0" parTransId="{ECBF674C-608C-4EE4-8AF2-610458D335DD}" sibTransId="{D3F3B5E8-952C-4E02-85EA-E6149F164415}"/>
+    <dgm:cxn modelId="{3E2114F9-6D9A-4B71-A1FA-1F8E38BABE88}" type="presOf" srcId="{4FB62C2E-7612-4BBD-9708-70AC20CB18F4}" destId="{8901E0F4-0A59-4693-BCC0-AD691D9FB870}" srcOrd="0" destOrd="1" presId="urn:microsoft.com/office/officeart/2005/8/layout/hProcess4"/>
     <dgm:cxn modelId="{CF123FA8-86E9-4509-A8B2-836C24730797}" type="presParOf" srcId="{7ABD661D-07C5-4739-AE45-6E1036C01B22}" destId="{75F32423-9911-408A-B8A9-5D1154B5D7BF}" srcOrd="0" destOrd="0" presId="urn:microsoft.com/office/officeart/2005/8/layout/hProcess4"/>
     <dgm:cxn modelId="{8850E79F-00B9-4C54-9215-3D15B08153DD}" type="presParOf" srcId="{7ABD661D-07C5-4739-AE45-6E1036C01B22}" destId="{D241EEF2-5E0C-4DE4-A18D-25619EBD7B6F}" srcOrd="1" destOrd="0" presId="urn:microsoft.com/office/officeart/2005/8/layout/hProcess4"/>
     <dgm:cxn modelId="{1226809C-B779-4841-B727-3E10E011B6CB}" type="presParOf" srcId="{7ABD661D-07C5-4739-AE45-6E1036C01B22}" destId="{FC4CC419-9620-4012-97C5-A28BFD476CA1}" srcOrd="2" destOrd="0" presId="urn:microsoft.com/office/officeart/2005/8/layout/hProcess4"/>
@@ -13888,7 +14020,7 @@
         </a:bodyPr>
         <a:lstStyle/>
         <a:p>
-          <a:pPr marL="228600" lvl="1" indent="-228600" algn="l" defTabSz="889000">
+          <a:pPr marL="57150" lvl="1" indent="-57150" algn="l" defTabSz="311150">
             <a:lnSpc>
               <a:spcPct val="90000"/>
             </a:lnSpc>
@@ -13900,9 +14032,12 @@
             </a:spcAft>
             <a:buChar char="•"/>
           </a:pPr>
-          <a:endParaRPr lang="fr-FR" sz="2000" kern="1200" dirty="0">
-            <a:latin typeface="Arial Nova" panose="020B0504020202020204"/>
-          </a:endParaRPr>
+          <a:r>
+            <a:rPr lang="fr-FR" sz="700" kern="1200" dirty="0">
+              <a:latin typeface="Arial Nova" panose="020B0504020202020204"/>
+            </a:rPr>
+            <a:t>Problématique à résoudre</a:t>
+          </a:r>
         </a:p>
         <a:p>
           <a:pPr marL="228600" lvl="1" indent="-228600" algn="l" defTabSz="889000">
@@ -14113,7 +14248,7 @@
         </a:bodyPr>
         <a:lstStyle/>
         <a:p>
-          <a:pPr marL="228600" lvl="1" indent="-228600" algn="l" defTabSz="889000">
+          <a:pPr marL="57150" lvl="1" indent="-57150" algn="l" defTabSz="311150">
             <a:lnSpc>
               <a:spcPct val="90000"/>
             </a:lnSpc>
@@ -14125,9 +14260,12 @@
             </a:spcAft>
             <a:buChar char="•"/>
           </a:pPr>
-          <a:endParaRPr lang="fr-FR" sz="2000" kern="1200" dirty="0">
-            <a:latin typeface="Arial Nova" panose="020B0504020202020204"/>
-          </a:endParaRPr>
+          <a:r>
+            <a:rPr lang="fr-FR" sz="700" kern="1200" dirty="0">
+              <a:latin typeface="Arial Nova" panose="020B0504020202020204"/>
+            </a:rPr>
+            <a:t>Problématique à résoudre</a:t>
+          </a:r>
         </a:p>
       </dsp:txBody>
       <dsp:txXfrm>
@@ -14321,7 +14459,7 @@
         </a:bodyPr>
         <a:lstStyle/>
         <a:p>
-          <a:pPr marL="228600" lvl="1" indent="-228600" algn="l" defTabSz="889000">
+          <a:pPr marL="57150" lvl="1" indent="-57150" algn="l" defTabSz="311150">
             <a:lnSpc>
               <a:spcPct val="90000"/>
             </a:lnSpc>
@@ -14333,9 +14471,12 @@
             </a:spcAft>
             <a:buChar char="•"/>
           </a:pPr>
-          <a:endParaRPr lang="fr-FR" sz="2000" kern="1200" dirty="0">
-            <a:latin typeface="Arial Nova" panose="020B0504020202020204"/>
-          </a:endParaRPr>
+          <a:r>
+            <a:rPr lang="fr-FR" sz="700" kern="1200" dirty="0">
+              <a:latin typeface="Arial Nova" panose="020B0504020202020204"/>
+            </a:rPr>
+            <a:t>Problématique à résoudre</a:t>
+          </a:r>
         </a:p>
       </dsp:txBody>
       <dsp:txXfrm>
@@ -15098,7 +15239,7 @@
       </dsp:nvSpPr>
       <dsp:spPr>
         <a:xfrm>
-          <a:off x="576874" y="725627"/>
+          <a:off x="511180" y="741969"/>
           <a:ext cx="2603147" cy="1394343"/>
         </a:xfrm>
         <a:prstGeom prst="roundRect">
@@ -15142,12 +15283,12 @@
         <a:fontRef idx="minor"/>
       </dsp:style>
       <dsp:txBody>
-        <a:bodyPr spcFirstLastPara="0" vert="horz" wrap="square" lIns="110490" tIns="110490" rIns="110490" bIns="110490" numCol="1" spcCol="1270" anchor="t" anchorCtr="0">
+        <a:bodyPr spcFirstLastPara="0" vert="horz" wrap="square" lIns="123825" tIns="123825" rIns="123825" bIns="123825" numCol="1" spcCol="1270" anchor="t" anchorCtr="0">
           <a:noAutofit/>
         </a:bodyPr>
         <a:lstStyle/>
         <a:p>
-          <a:pPr marL="285750" lvl="1" indent="-285750" algn="l" defTabSz="2578100">
+          <a:pPr marL="57150" lvl="1" indent="-57150" algn="l" defTabSz="488950">
             <a:lnSpc>
               <a:spcPct val="90000"/>
             </a:lnSpc>
@@ -15159,11 +15300,32 @@
             </a:spcAft>
             <a:buChar char="•"/>
           </a:pPr>
-          <a:endParaRPr lang="fr-FR" sz="5800" kern="1200" dirty="0"/>
+          <a:r>
+            <a:rPr lang="fr-FR" sz="1100" kern="1200" dirty="0"/>
+            <a:t>Lecture du sujet</a:t>
+          </a:r>
+        </a:p>
+        <a:p>
+          <a:pPr marL="57150" lvl="1" indent="-57150" algn="l" defTabSz="488950">
+            <a:lnSpc>
+              <a:spcPct val="90000"/>
+            </a:lnSpc>
+            <a:spcBef>
+              <a:spcPct val="0"/>
+            </a:spcBef>
+            <a:spcAft>
+              <a:spcPct val="15000"/>
+            </a:spcAft>
+            <a:buChar char="•"/>
+          </a:pPr>
+          <a:r>
+            <a:rPr lang="fr-FR" sz="1100" kern="1200" dirty="0"/>
+            <a:t>Pas de prise de note</a:t>
+          </a:r>
         </a:p>
       </dsp:txBody>
       <dsp:txXfrm>
-        <a:off x="608962" y="757715"/>
+        <a:off x="543268" y="774057"/>
         <a:ext cx="2538971" cy="1031379"/>
       </dsp:txXfrm>
     </dsp:sp>
@@ -15346,12 +15508,12 @@
         <a:fontRef idx="minor"/>
       </dsp:style>
       <dsp:txBody>
-        <a:bodyPr spcFirstLastPara="0" vert="horz" wrap="square" lIns="110490" tIns="110490" rIns="110490" bIns="110490" numCol="1" spcCol="1270" anchor="t" anchorCtr="0">
+        <a:bodyPr spcFirstLastPara="0" vert="horz" wrap="square" lIns="24765" tIns="24765" rIns="24765" bIns="24765" numCol="1" spcCol="1270" anchor="t" anchorCtr="0">
           <a:noAutofit/>
         </a:bodyPr>
         <a:lstStyle/>
         <a:p>
-          <a:pPr marL="285750" lvl="1" indent="-285750" algn="l" defTabSz="2578100">
+          <a:pPr marL="114300" lvl="1" indent="-114300" algn="l" defTabSz="577850">
             <a:lnSpc>
               <a:spcPct val="90000"/>
             </a:lnSpc>
@@ -15363,7 +15525,46 @@
             </a:spcAft>
             <a:buChar char="•"/>
           </a:pPr>
-          <a:endParaRPr lang="fr-FR" sz="5800" kern="1200" dirty="0"/>
+          <a:r>
+            <a:rPr lang="fr-FR" sz="1300" kern="1200" dirty="0"/>
+            <a:t>Adopter une posture permettant de voir et d’échanger avec l’examinateur.</a:t>
+          </a:r>
+        </a:p>
+        <a:p>
+          <a:pPr marL="114300" lvl="1" indent="-114300" algn="l" defTabSz="577850">
+            <a:lnSpc>
+              <a:spcPct val="90000"/>
+            </a:lnSpc>
+            <a:spcBef>
+              <a:spcPct val="0"/>
+            </a:spcBef>
+            <a:spcAft>
+              <a:spcPct val="15000"/>
+            </a:spcAft>
+            <a:buChar char="•"/>
+          </a:pPr>
+          <a:r>
+            <a:rPr lang="fr-FR" sz="1300" kern="1200" dirty="0"/>
+            <a:t>Présentation du support</a:t>
+          </a:r>
+        </a:p>
+        <a:p>
+          <a:pPr marL="114300" lvl="1" indent="-114300" algn="l" defTabSz="577850">
+            <a:lnSpc>
+              <a:spcPct val="90000"/>
+            </a:lnSpc>
+            <a:spcBef>
+              <a:spcPct val="0"/>
+            </a:spcBef>
+            <a:spcAft>
+              <a:spcPct val="15000"/>
+            </a:spcAft>
+            <a:buChar char="•"/>
+          </a:pPr>
+          <a:r>
+            <a:rPr lang="fr-FR" sz="1300" kern="1200" dirty="0"/>
+            <a:t>Présentation des réponses </a:t>
+          </a:r>
         </a:p>
       </dsp:txBody>
       <dsp:txXfrm>
@@ -15442,7 +15643,7 @@
           </a:pPr>
           <a:r>
             <a:rPr lang="fr-FR" sz="1400" kern="1200" dirty="0"/>
-            <a:t>Introduction</a:t>
+            <a:t>Oral</a:t>
           </a:r>
         </a:p>
       </dsp:txBody>
@@ -30302,7 +30503,7 @@
           <a:p>
             <a:fld id="{3B93ECCE-5391-441B-9FF0-3A0DC0698398}" type="datetimeFigureOut">
               <a:rPr lang="fr-FR" smtClean="0"/>
-              <a:t>17/05/2024</a:t>
+              <a:t>05/05/2025</a:t>
             </a:fld>
             <a:endParaRPr lang="fr-FR"/>
           </a:p>
@@ -30472,7 +30673,7 @@
           <a:p>
             <a:fld id="{3B93ECCE-5391-441B-9FF0-3A0DC0698398}" type="datetimeFigureOut">
               <a:rPr lang="fr-FR" smtClean="0"/>
-              <a:t>17/05/2024</a:t>
+              <a:t>05/05/2025</a:t>
             </a:fld>
             <a:endParaRPr lang="fr-FR"/>
           </a:p>
@@ -30652,7 +30853,7 @@
           <a:p>
             <a:fld id="{3B93ECCE-5391-441B-9FF0-3A0DC0698398}" type="datetimeFigureOut">
               <a:rPr lang="fr-FR" smtClean="0"/>
-              <a:t>17/05/2024</a:t>
+              <a:t>05/05/2025</a:t>
             </a:fld>
             <a:endParaRPr lang="fr-FR"/>
           </a:p>
@@ -30822,7 +31023,7 @@
           <a:p>
             <a:fld id="{3B93ECCE-5391-441B-9FF0-3A0DC0698398}" type="datetimeFigureOut">
               <a:rPr lang="fr-FR" smtClean="0"/>
-              <a:t>17/05/2024</a:t>
+              <a:t>05/05/2025</a:t>
             </a:fld>
             <a:endParaRPr lang="fr-FR"/>
           </a:p>
@@ -31066,7 +31267,7 @@
           <a:p>
             <a:fld id="{3B93ECCE-5391-441B-9FF0-3A0DC0698398}" type="datetimeFigureOut">
               <a:rPr lang="fr-FR" smtClean="0"/>
-              <a:t>17/05/2024</a:t>
+              <a:t>05/05/2025</a:t>
             </a:fld>
             <a:endParaRPr lang="fr-FR"/>
           </a:p>
@@ -31298,7 +31499,7 @@
           <a:p>
             <a:fld id="{3B93ECCE-5391-441B-9FF0-3A0DC0698398}" type="datetimeFigureOut">
               <a:rPr lang="fr-FR" smtClean="0"/>
-              <a:t>17/05/2024</a:t>
+              <a:t>05/05/2025</a:t>
             </a:fld>
             <a:endParaRPr lang="fr-FR"/>
           </a:p>
@@ -31665,7 +31866,7 @@
           <a:p>
             <a:fld id="{3B93ECCE-5391-441B-9FF0-3A0DC0698398}" type="datetimeFigureOut">
               <a:rPr lang="fr-FR" smtClean="0"/>
-              <a:t>17/05/2024</a:t>
+              <a:t>05/05/2025</a:t>
             </a:fld>
             <a:endParaRPr lang="fr-FR"/>
           </a:p>
@@ -31783,7 +31984,7 @@
           <a:p>
             <a:fld id="{3B93ECCE-5391-441B-9FF0-3A0DC0698398}" type="datetimeFigureOut">
               <a:rPr lang="fr-FR" smtClean="0"/>
-              <a:t>17/05/2024</a:t>
+              <a:t>05/05/2025</a:t>
             </a:fld>
             <a:endParaRPr lang="fr-FR"/>
           </a:p>
@@ -31878,7 +32079,7 @@
           <a:p>
             <a:fld id="{3B93ECCE-5391-441B-9FF0-3A0DC0698398}" type="datetimeFigureOut">
               <a:rPr lang="fr-FR" smtClean="0"/>
-              <a:t>17/05/2024</a:t>
+              <a:t>05/05/2025</a:t>
             </a:fld>
             <a:endParaRPr lang="fr-FR"/>
           </a:p>
@@ -32155,7 +32356,7 @@
           <a:p>
             <a:fld id="{3B93ECCE-5391-441B-9FF0-3A0DC0698398}" type="datetimeFigureOut">
               <a:rPr lang="fr-FR" smtClean="0"/>
-              <a:t>17/05/2024</a:t>
+              <a:t>05/05/2025</a:t>
             </a:fld>
             <a:endParaRPr lang="fr-FR"/>
           </a:p>
@@ -32412,7 +32613,7 @@
           <a:p>
             <a:fld id="{3B93ECCE-5391-441B-9FF0-3A0DC0698398}" type="datetimeFigureOut">
               <a:rPr lang="fr-FR" smtClean="0"/>
-              <a:t>17/05/2024</a:t>
+              <a:t>05/05/2025</a:t>
             </a:fld>
             <a:endParaRPr lang="fr-FR"/>
           </a:p>
@@ -32625,7 +32826,7 @@
           <a:p>
             <a:fld id="{3B93ECCE-5391-441B-9FF0-3A0DC0698398}" type="datetimeFigureOut">
               <a:rPr lang="fr-FR" smtClean="0"/>
-              <a:t>17/05/2024</a:t>
+              <a:t>05/05/2025</a:t>
             </a:fld>
             <a:endParaRPr lang="fr-FR"/>
           </a:p>
@@ -42289,7 +42490,7 @@
           <p:nvPr>
             <p:extLst>
               <p:ext uri="{D42A27DB-BD31-4B8C-83A1-F6EECF244321}">
-                <p14:modId xmlns:p14="http://schemas.microsoft.com/office/powerpoint/2010/main" val="1884095177"/>
+                <p14:modId xmlns:p14="http://schemas.microsoft.com/office/powerpoint/2010/main" val="2956077052"/>
               </p:ext>
             </p:extLst>
           </p:nvPr>
@@ -46610,7 +46811,7 @@
           <p:nvPr>
             <p:extLst>
               <p:ext uri="{D42A27DB-BD31-4B8C-83A1-F6EECF244321}">
-                <p14:modId xmlns:p14="http://schemas.microsoft.com/office/powerpoint/2010/main" val="460678555"/>
+                <p14:modId xmlns:p14="http://schemas.microsoft.com/office/powerpoint/2010/main" val="1575109883"/>
               </p:ext>
             </p:extLst>
           </p:nvPr>
@@ -47010,7 +47211,7 @@
               <a:rPr lang="fr-FR" sz="1000" dirty="0">
                 <a:latin typeface="Arial Nova" panose="020B0504020202020204" pitchFamily="34" charset="0"/>
               </a:rPr>
-              <a:t>10 min</a:t>
+              <a:t>15 min</a:t>
             </a:r>
           </a:p>
         </p:txBody>
@@ -47276,7 +47477,7 @@
         </p:nvSpPr>
         <p:spPr>
           <a:xfrm>
-            <a:off x="989012" y="4090634"/>
+            <a:off x="3121977" y="4109231"/>
             <a:ext cx="252000" cy="252000"/>
           </a:xfrm>
           <a:prstGeom prst="ellipse">
@@ -47306,7 +47507,7 @@
             <a:pPr algn="ctr"/>
             <a:r>
               <a:rPr lang="fr-FR" sz="900" b="1" dirty="0"/>
-              <a:t>10’</a:t>
+              <a:t>15’</a:t>
             </a:r>
           </a:p>
         </p:txBody>
@@ -47325,7 +47526,7 @@
         </p:nvSpPr>
         <p:spPr>
           <a:xfrm>
-            <a:off x="6445662" y="4495348"/>
+            <a:off x="6267420" y="4930408"/>
             <a:ext cx="252000" cy="252000"/>
           </a:xfrm>
           <a:prstGeom prst="ellipse">
@@ -47355,7 +47556,7 @@
             <a:pPr algn="ctr"/>
             <a:r>
               <a:rPr lang="fr-FR" sz="900" b="1" dirty="0"/>
-              <a:t>25’</a:t>
+              <a:t>30’</a:t>
             </a:r>
           </a:p>
         </p:txBody>
@@ -47766,6 +47967,63 @@
                 <a:latin typeface="Arial Nova" panose="020B0504020202020204"/>
               </a:rPr>
               <a:t>FTBO et FTBF pour l’évaluation de la stabilité et des erreurs. Les candidats sont alors en difficulté pour mener une démarche de réglage d’un correcteur. </a:t>
+            </a:r>
+          </a:p>
+        </p:txBody>
+      </p:sp>
+      <p:sp>
+        <p:nvSpPr>
+          <p:cNvPr id="21" name="ZoneTexte 20">
+            <a:extLst>
+              <a:ext uri="{FF2B5EF4-FFF2-40B4-BE49-F238E27FC236}">
+                <a16:creationId xmlns:a16="http://schemas.microsoft.com/office/drawing/2014/main" id="{AD33BE33-EE37-4B98-8336-FAC75FC03D25}"/>
+              </a:ext>
+            </a:extLst>
+          </p:cNvPr>
+          <p:cNvSpPr txBox="1"/>
+          <p:nvPr/>
+        </p:nvSpPr>
+        <p:spPr>
+          <a:xfrm>
+            <a:off x="4168456" y="1043893"/>
+            <a:ext cx="3030823" cy="461665"/>
+          </a:xfrm>
+          <a:prstGeom prst="rect">
+            <a:avLst/>
+          </a:prstGeom>
+          <a:noFill/>
+        </p:spPr>
+        <p:txBody>
+          <a:bodyPr wrap="square" rtlCol="0">
+            <a:spAutoFit/>
+          </a:bodyPr>
+          <a:lstStyle/>
+          <a:p>
+            <a:r>
+              <a:rPr lang="fr-FR" sz="800" b="1" dirty="0">
+                <a:latin typeface="Arial Nova" panose="020B0504020202020204"/>
+              </a:rPr>
+              <a:t>Sites de passage au choix</a:t>
+            </a:r>
+            <a:r>
+              <a:rPr lang="fr-FR" sz="800" dirty="0">
+                <a:latin typeface="Arial Nova" panose="020B0504020202020204"/>
+              </a:rPr>
+              <a:t> : Evry, Marne-La-Vallée, Paris</a:t>
+            </a:r>
+          </a:p>
+          <a:p>
+            <a:r>
+              <a:rPr lang="fr-FR" sz="800" b="1" dirty="0">
+                <a:latin typeface="Arial Nova" panose="020B0504020202020204"/>
+              </a:rPr>
+              <a:t>Convocation </a:t>
+            </a:r>
+            <a:r>
+              <a:rPr lang="fr-FR" sz="800" dirty="0">
+                <a:latin typeface="Arial Nova" panose="020B0504020202020204"/>
+              </a:rPr>
+              <a:t>: rendez-vous à prendre. Les 4 oraux se déroulent sur une seule journée. </a:t>
             </a:r>
           </a:p>
         </p:txBody>

--- a/PresentationsEpreuves/Presentations_Epreuves.pptx
+++ b/PresentationsEpreuves/Presentations_Epreuves.pptx
@@ -30503,7 +30503,7 @@
           <a:p>
             <a:fld id="{3B93ECCE-5391-441B-9FF0-3A0DC0698398}" type="datetimeFigureOut">
               <a:rPr lang="fr-FR" smtClean="0"/>
-              <a:t>05/05/2025</a:t>
+              <a:t>06/05/2025</a:t>
             </a:fld>
             <a:endParaRPr lang="fr-FR"/>
           </a:p>
@@ -30673,7 +30673,7 @@
           <a:p>
             <a:fld id="{3B93ECCE-5391-441B-9FF0-3A0DC0698398}" type="datetimeFigureOut">
               <a:rPr lang="fr-FR" smtClean="0"/>
-              <a:t>05/05/2025</a:t>
+              <a:t>06/05/2025</a:t>
             </a:fld>
             <a:endParaRPr lang="fr-FR"/>
           </a:p>
@@ -30853,7 +30853,7 @@
           <a:p>
             <a:fld id="{3B93ECCE-5391-441B-9FF0-3A0DC0698398}" type="datetimeFigureOut">
               <a:rPr lang="fr-FR" smtClean="0"/>
-              <a:t>05/05/2025</a:t>
+              <a:t>06/05/2025</a:t>
             </a:fld>
             <a:endParaRPr lang="fr-FR"/>
           </a:p>
@@ -31023,7 +31023,7 @@
           <a:p>
             <a:fld id="{3B93ECCE-5391-441B-9FF0-3A0DC0698398}" type="datetimeFigureOut">
               <a:rPr lang="fr-FR" smtClean="0"/>
-              <a:t>05/05/2025</a:t>
+              <a:t>06/05/2025</a:t>
             </a:fld>
             <a:endParaRPr lang="fr-FR"/>
           </a:p>
@@ -31267,7 +31267,7 @@
           <a:p>
             <a:fld id="{3B93ECCE-5391-441B-9FF0-3A0DC0698398}" type="datetimeFigureOut">
               <a:rPr lang="fr-FR" smtClean="0"/>
-              <a:t>05/05/2025</a:t>
+              <a:t>06/05/2025</a:t>
             </a:fld>
             <a:endParaRPr lang="fr-FR"/>
           </a:p>
@@ -31499,7 +31499,7 @@
           <a:p>
             <a:fld id="{3B93ECCE-5391-441B-9FF0-3A0DC0698398}" type="datetimeFigureOut">
               <a:rPr lang="fr-FR" smtClean="0"/>
-              <a:t>05/05/2025</a:t>
+              <a:t>06/05/2025</a:t>
             </a:fld>
             <a:endParaRPr lang="fr-FR"/>
           </a:p>
@@ -31866,7 +31866,7 @@
           <a:p>
             <a:fld id="{3B93ECCE-5391-441B-9FF0-3A0DC0698398}" type="datetimeFigureOut">
               <a:rPr lang="fr-FR" smtClean="0"/>
-              <a:t>05/05/2025</a:t>
+              <a:t>06/05/2025</a:t>
             </a:fld>
             <a:endParaRPr lang="fr-FR"/>
           </a:p>
@@ -31984,7 +31984,7 @@
           <a:p>
             <a:fld id="{3B93ECCE-5391-441B-9FF0-3A0DC0698398}" type="datetimeFigureOut">
               <a:rPr lang="fr-FR" smtClean="0"/>
-              <a:t>05/05/2025</a:t>
+              <a:t>06/05/2025</a:t>
             </a:fld>
             <a:endParaRPr lang="fr-FR"/>
           </a:p>
@@ -32079,7 +32079,7 @@
           <a:p>
             <a:fld id="{3B93ECCE-5391-441B-9FF0-3A0DC0698398}" type="datetimeFigureOut">
               <a:rPr lang="fr-FR" smtClean="0"/>
-              <a:t>05/05/2025</a:t>
+              <a:t>06/05/2025</a:t>
             </a:fld>
             <a:endParaRPr lang="fr-FR"/>
           </a:p>
@@ -32356,7 +32356,7 @@
           <a:p>
             <a:fld id="{3B93ECCE-5391-441B-9FF0-3A0DC0698398}" type="datetimeFigureOut">
               <a:rPr lang="fr-FR" smtClean="0"/>
-              <a:t>05/05/2025</a:t>
+              <a:t>06/05/2025</a:t>
             </a:fld>
             <a:endParaRPr lang="fr-FR"/>
           </a:p>
@@ -32613,7 +32613,7 @@
           <a:p>
             <a:fld id="{3B93ECCE-5391-441B-9FF0-3A0DC0698398}" type="datetimeFigureOut">
               <a:rPr lang="fr-FR" smtClean="0"/>
-              <a:t>05/05/2025</a:t>
+              <a:t>06/05/2025</a:t>
             </a:fld>
             <a:endParaRPr lang="fr-FR"/>
           </a:p>
@@ -32826,7 +32826,7 @@
           <a:p>
             <a:fld id="{3B93ECCE-5391-441B-9FF0-3A0DC0698398}" type="datetimeFigureOut">
               <a:rPr lang="fr-FR" smtClean="0"/>
-              <a:t>05/05/2025</a:t>
+              <a:t>06/05/2025</a:t>
             </a:fld>
             <a:endParaRPr lang="fr-FR"/>
           </a:p>
@@ -41838,8 +41838,8 @@
         </p:nvSpPr>
         <p:spPr>
           <a:xfrm>
-            <a:off x="5394149" y="1362479"/>
-            <a:ext cx="657860" cy="187161"/>
+            <a:off x="5020927" y="1403236"/>
+            <a:ext cx="1752406" cy="195619"/>
           </a:xfrm>
           <a:prstGeom prst="rect">
             <a:avLst/>
@@ -41936,14 +41936,23 @@
           </a:lstStyle>
           <a:p>
             <a:r>
+              <a:rPr lang="fr-FR" sz="1000" dirty="0">
+                <a:latin typeface="Arial Nova" panose="020B0504020202020204" pitchFamily="34" charset="0"/>
+              </a:rPr>
+              <a:t>Centrale </a:t>
+            </a:r>
+            <a:r>
               <a:rPr lang="fr-FR" sz="1000" dirty="0" err="1">
                 <a:latin typeface="Arial Nova" panose="020B0504020202020204" pitchFamily="34" charset="0"/>
               </a:rPr>
-              <a:t>xxxx</a:t>
+              <a:t>Supelec</a:t>
             </a:r>
-            <a:endParaRPr lang="fr-FR" sz="1000" dirty="0">
-              <a:latin typeface="Arial Nova" panose="020B0504020202020204" pitchFamily="34" charset="0"/>
-            </a:endParaRPr>
+            <a:r>
+              <a:rPr lang="fr-FR" sz="1000" dirty="0">
+                <a:latin typeface="Arial Nova" panose="020B0504020202020204" pitchFamily="34" charset="0"/>
+              </a:rPr>
+              <a:t> – Saclay </a:t>
+            </a:r>
           </a:p>
         </p:txBody>
       </p:sp>
